--- a/Presentaciones/Encuesta.pptx
+++ b/Presentaciones/Encuesta.pptx
@@ -302,7 +302,7 @@
           <a:p>
             <a:fld id="{6775645A-62F0-4FFE-857B-8F096387A48E}" type="datetimeFigureOut">
               <a:rPr lang="es-MX" smtClean="0"/>
-              <a:t>15/03/2019</a:t>
+              <a:t>16/03/2019</a:t>
             </a:fld>
             <a:endParaRPr lang="es-MX"/>
           </a:p>
@@ -632,7 +632,7 @@
           <a:p>
             <a:fld id="{6775645A-62F0-4FFE-857B-8F096387A48E}" type="datetimeFigureOut">
               <a:rPr lang="es-MX" smtClean="0"/>
-              <a:t>15/03/2019</a:t>
+              <a:t>16/03/2019</a:t>
             </a:fld>
             <a:endParaRPr lang="es-MX"/>
           </a:p>
@@ -812,7 +812,7 @@
           <a:p>
             <a:fld id="{6775645A-62F0-4FFE-857B-8F096387A48E}" type="datetimeFigureOut">
               <a:rPr lang="es-MX" smtClean="0"/>
-              <a:t>15/03/2019</a:t>
+              <a:t>16/03/2019</a:t>
             </a:fld>
             <a:endParaRPr lang="es-MX"/>
           </a:p>
@@ -982,7 +982,7 @@
           <a:p>
             <a:fld id="{6775645A-62F0-4FFE-857B-8F096387A48E}" type="datetimeFigureOut">
               <a:rPr lang="es-MX" smtClean="0"/>
-              <a:t>15/03/2019</a:t>
+              <a:t>16/03/2019</a:t>
             </a:fld>
             <a:endParaRPr lang="es-MX"/>
           </a:p>
@@ -1259,7 +1259,7 @@
           <a:p>
             <a:fld id="{6775645A-62F0-4FFE-857B-8F096387A48E}" type="datetimeFigureOut">
               <a:rPr lang="es-MX" smtClean="0"/>
-              <a:t>15/03/2019</a:t>
+              <a:t>16/03/2019</a:t>
             </a:fld>
             <a:endParaRPr lang="es-MX"/>
           </a:p>
@@ -1653,7 +1653,7 @@
           <a:p>
             <a:fld id="{6775645A-62F0-4FFE-857B-8F096387A48E}" type="datetimeFigureOut">
               <a:rPr lang="es-MX" smtClean="0"/>
-              <a:t>15/03/2019</a:t>
+              <a:t>16/03/2019</a:t>
             </a:fld>
             <a:endParaRPr lang="es-MX"/>
           </a:p>
@@ -2130,7 +2130,7 @@
           <a:p>
             <a:fld id="{6775645A-62F0-4FFE-857B-8F096387A48E}" type="datetimeFigureOut">
               <a:rPr lang="es-MX" smtClean="0"/>
-              <a:t>15/03/2019</a:t>
+              <a:t>16/03/2019</a:t>
             </a:fld>
             <a:endParaRPr lang="es-MX"/>
           </a:p>
@@ -2248,7 +2248,7 @@
           <a:p>
             <a:fld id="{6775645A-62F0-4FFE-857B-8F096387A48E}" type="datetimeFigureOut">
               <a:rPr lang="es-MX" smtClean="0"/>
-              <a:t>15/03/2019</a:t>
+              <a:t>16/03/2019</a:t>
             </a:fld>
             <a:endParaRPr lang="es-MX"/>
           </a:p>
@@ -2343,7 +2343,7 @@
           <a:p>
             <a:fld id="{6775645A-62F0-4FFE-857B-8F096387A48E}" type="datetimeFigureOut">
               <a:rPr lang="es-MX" smtClean="0"/>
-              <a:t>15/03/2019</a:t>
+              <a:t>16/03/2019</a:t>
             </a:fld>
             <a:endParaRPr lang="es-MX"/>
           </a:p>
@@ -2689,7 +2689,7 @@
           <a:p>
             <a:fld id="{6775645A-62F0-4FFE-857B-8F096387A48E}" type="datetimeFigureOut">
               <a:rPr lang="es-MX" smtClean="0"/>
-              <a:t>15/03/2019</a:t>
+              <a:t>16/03/2019</a:t>
             </a:fld>
             <a:endParaRPr lang="es-MX"/>
           </a:p>
@@ -3077,7 +3077,7 @@
           <a:p>
             <a:fld id="{6775645A-62F0-4FFE-857B-8F096387A48E}" type="datetimeFigureOut">
               <a:rPr lang="es-MX" smtClean="0"/>
-              <a:t>15/03/2019</a:t>
+              <a:t>16/03/2019</a:t>
             </a:fld>
             <a:endParaRPr lang="es-MX"/>
           </a:p>
@@ -3355,7 +3355,7 @@
           <a:p>
             <a:fld id="{6775645A-62F0-4FFE-857B-8F096387A48E}" type="datetimeFigureOut">
               <a:rPr lang="es-MX" smtClean="0"/>
-              <a:t>15/03/2019</a:t>
+              <a:t>16/03/2019</a:t>
             </a:fld>
             <a:endParaRPr lang="es-MX"/>
           </a:p>
@@ -4975,7 +4975,7 @@
           <a:p>
             <a:r>
               <a:rPr lang="es-MX" dirty="0"/>
-              <a:t>¿Qué tanto le ayudaría un editor visual de comportamientos para IA?</a:t>
+              <a:t>Usted considera que puede entender mejor las cosas cuando las observa:</a:t>
             </a:r>
           </a:p>
         </p:txBody>
@@ -5008,31 +5008,31 @@
           <a:p>
             <a:r>
               <a:rPr lang="es-MX" dirty="0"/>
-              <a:t>Nada</a:t>
-            </a:r>
-          </a:p>
-          <a:p>
-            <a:r>
-              <a:rPr lang="es-MX" dirty="0"/>
-              <a:t>Poco </a:t>
-            </a:r>
-          </a:p>
-          <a:p>
-            <a:r>
-              <a:rPr lang="es-MX" dirty="0"/>
-              <a:t>Algo</a:t>
-            </a:r>
-          </a:p>
-          <a:p>
-            <a:r>
-              <a:rPr lang="es-MX" dirty="0"/>
-              <a:t>Mucho</a:t>
-            </a:r>
-          </a:p>
-          <a:p>
-            <a:r>
-              <a:rPr lang="es-MX" dirty="0"/>
-              <a:t>Demasiado</a:t>
+              <a:t>Totalmente en desacuerdo</a:t>
+            </a:r>
+          </a:p>
+          <a:p>
+            <a:r>
+              <a:rPr lang="es-MX" dirty="0"/>
+              <a:t>En desacuerdo</a:t>
+            </a:r>
+          </a:p>
+          <a:p>
+            <a:r>
+              <a:rPr lang="es-MX" dirty="0"/>
+              <a:t>Ni de acuerdo ni en desacuerdo</a:t>
+            </a:r>
+          </a:p>
+          <a:p>
+            <a:r>
+              <a:rPr lang="es-MX" dirty="0"/>
+              <a:t>De acuerdo</a:t>
+            </a:r>
+          </a:p>
+          <a:p>
+            <a:r>
+              <a:rPr lang="es-MX" dirty="0"/>
+              <a:t>Totalmente de acuerdo</a:t>
             </a:r>
           </a:p>
         </p:txBody>
@@ -5587,6 +5587,41 @@
               <a:buNone/>
             </a:pPr>
             <a:endParaRPr lang="es-MX" dirty="0"/>
+          </a:p>
+        </p:txBody>
+      </p:sp>
+      <p:sp>
+        <p:nvSpPr>
+          <p:cNvPr id="4" name="TextBox 3">
+            <a:extLst>
+              <a:ext uri="{FF2B5EF4-FFF2-40B4-BE49-F238E27FC236}">
+                <a16:creationId xmlns:a16="http://schemas.microsoft.com/office/drawing/2014/main" id="{224F77FA-31A7-40DE-9ECC-3DF8CD73AA89}"/>
+              </a:ext>
+            </a:extLst>
+          </p:cNvPr>
+          <p:cNvSpPr txBox="1"/>
+          <p:nvPr/>
+        </p:nvSpPr>
+        <p:spPr>
+          <a:xfrm>
+            <a:off x="1496291" y="6345382"/>
+            <a:ext cx="4457695" cy="369332"/>
+          </a:xfrm>
+          <a:prstGeom prst="rect">
+            <a:avLst/>
+          </a:prstGeom>
+          <a:noFill/>
+        </p:spPr>
+        <p:txBody>
+          <a:bodyPr wrap="none" rtlCol="0">
+            <a:spAutoFit/>
+          </a:bodyPr>
+          <a:lstStyle/>
+          <a:p>
+            <a:r>
+              <a:rPr lang="es-MX" dirty="0"/>
+              <a:t>Nota: Cada punto es una pregunta diferente</a:t>
+            </a:r>
           </a:p>
         </p:txBody>
       </p:sp>
